--- a/BAZ Online Exam.pptx
+++ b/BAZ Online Exam.pptx
@@ -292,6 +292,7 @@
           <a:p>
             <a:fld id="{DE020207-599F-4CFD-A8D0-DD7AE6993AFB}" type="datetimeFigureOut">
               <a:rPr lang="en-US" smtClean="0"/>
+              <a:pPr/>
               <a:t>6/3/2014</a:t>
             </a:fld>
             <a:endParaRPr lang="en-US"/>
@@ -334,6 +335,7 @@
           <a:p>
             <a:fld id="{9E9599FE-B36F-4DE7-BBCF-F6576E645DDD}" type="slidenum">
               <a:rPr lang="en-US" smtClean="0"/>
+              <a:pPr/>
               <a:t>‹#›</a:t>
             </a:fld>
             <a:endParaRPr lang="en-US"/>
@@ -457,6 +459,7 @@
           <a:p>
             <a:fld id="{DE020207-599F-4CFD-A8D0-DD7AE6993AFB}" type="datetimeFigureOut">
               <a:rPr lang="en-US" smtClean="0"/>
+              <a:pPr/>
               <a:t>6/3/2014</a:t>
             </a:fld>
             <a:endParaRPr lang="en-US"/>
@@ -499,6 +502,7 @@
           <a:p>
             <a:fld id="{9E9599FE-B36F-4DE7-BBCF-F6576E645DDD}" type="slidenum">
               <a:rPr lang="en-US" smtClean="0"/>
+              <a:pPr/>
               <a:t>‹#›</a:t>
             </a:fld>
             <a:endParaRPr lang="en-US"/>
@@ -632,6 +636,7 @@
           <a:p>
             <a:fld id="{DE020207-599F-4CFD-A8D0-DD7AE6993AFB}" type="datetimeFigureOut">
               <a:rPr lang="en-US" smtClean="0"/>
+              <a:pPr/>
               <a:t>6/3/2014</a:t>
             </a:fld>
             <a:endParaRPr lang="en-US"/>
@@ -674,6 +679,7 @@
           <a:p>
             <a:fld id="{9E9599FE-B36F-4DE7-BBCF-F6576E645DDD}" type="slidenum">
               <a:rPr lang="en-US" smtClean="0"/>
+              <a:pPr/>
               <a:t>‹#›</a:t>
             </a:fld>
             <a:endParaRPr lang="en-US"/>
@@ -797,6 +803,7 @@
           <a:p>
             <a:fld id="{DE020207-599F-4CFD-A8D0-DD7AE6993AFB}" type="datetimeFigureOut">
               <a:rPr lang="en-US" smtClean="0"/>
+              <a:pPr/>
               <a:t>6/3/2014</a:t>
             </a:fld>
             <a:endParaRPr lang="en-US"/>
@@ -839,6 +846,7 @@
           <a:p>
             <a:fld id="{9E9599FE-B36F-4DE7-BBCF-F6576E645DDD}" type="slidenum">
               <a:rPr lang="en-US" smtClean="0"/>
+              <a:pPr/>
               <a:t>‹#›</a:t>
             </a:fld>
             <a:endParaRPr lang="en-US"/>
@@ -1038,6 +1046,7 @@
           <a:p>
             <a:fld id="{DE020207-599F-4CFD-A8D0-DD7AE6993AFB}" type="datetimeFigureOut">
               <a:rPr lang="en-US" smtClean="0"/>
+              <a:pPr/>
               <a:t>6/3/2014</a:t>
             </a:fld>
             <a:endParaRPr lang="en-US"/>
@@ -1080,6 +1089,7 @@
           <a:p>
             <a:fld id="{9E9599FE-B36F-4DE7-BBCF-F6576E645DDD}" type="slidenum">
               <a:rPr lang="en-US" smtClean="0"/>
+              <a:pPr/>
               <a:t>‹#›</a:t>
             </a:fld>
             <a:endParaRPr lang="en-US"/>
@@ -1321,6 +1331,7 @@
           <a:p>
             <a:fld id="{DE020207-599F-4CFD-A8D0-DD7AE6993AFB}" type="datetimeFigureOut">
               <a:rPr lang="en-US" smtClean="0"/>
+              <a:pPr/>
               <a:t>6/3/2014</a:t>
             </a:fld>
             <a:endParaRPr lang="en-US"/>
@@ -1363,6 +1374,7 @@
           <a:p>
             <a:fld id="{9E9599FE-B36F-4DE7-BBCF-F6576E645DDD}" type="slidenum">
               <a:rPr lang="en-US" smtClean="0"/>
+              <a:pPr/>
               <a:t>‹#›</a:t>
             </a:fld>
             <a:endParaRPr lang="en-US"/>
@@ -1738,6 +1750,7 @@
           <a:p>
             <a:fld id="{DE020207-599F-4CFD-A8D0-DD7AE6993AFB}" type="datetimeFigureOut">
               <a:rPr lang="en-US" smtClean="0"/>
+              <a:pPr/>
               <a:t>6/3/2014</a:t>
             </a:fld>
             <a:endParaRPr lang="en-US"/>
@@ -1780,6 +1793,7 @@
           <a:p>
             <a:fld id="{9E9599FE-B36F-4DE7-BBCF-F6576E645DDD}" type="slidenum">
               <a:rPr lang="en-US" smtClean="0"/>
+              <a:pPr/>
               <a:t>‹#›</a:t>
             </a:fld>
             <a:endParaRPr lang="en-US"/>
@@ -1851,6 +1865,7 @@
           <a:p>
             <a:fld id="{DE020207-599F-4CFD-A8D0-DD7AE6993AFB}" type="datetimeFigureOut">
               <a:rPr lang="en-US" smtClean="0"/>
+              <a:pPr/>
               <a:t>6/3/2014</a:t>
             </a:fld>
             <a:endParaRPr lang="en-US"/>
@@ -1893,6 +1908,7 @@
           <a:p>
             <a:fld id="{9E9599FE-B36F-4DE7-BBCF-F6576E645DDD}" type="slidenum">
               <a:rPr lang="en-US" smtClean="0"/>
+              <a:pPr/>
               <a:t>‹#›</a:t>
             </a:fld>
             <a:endParaRPr lang="en-US"/>
@@ -1941,6 +1957,7 @@
           <a:p>
             <a:fld id="{DE020207-599F-4CFD-A8D0-DD7AE6993AFB}" type="datetimeFigureOut">
               <a:rPr lang="en-US" smtClean="0"/>
+              <a:pPr/>
               <a:t>6/3/2014</a:t>
             </a:fld>
             <a:endParaRPr lang="en-US"/>
@@ -1983,6 +2000,7 @@
           <a:p>
             <a:fld id="{9E9599FE-B36F-4DE7-BBCF-F6576E645DDD}" type="slidenum">
               <a:rPr lang="en-US" smtClean="0"/>
+              <a:pPr/>
               <a:t>‹#›</a:t>
             </a:fld>
             <a:endParaRPr lang="en-US"/>
@@ -2213,6 +2231,7 @@
           <a:p>
             <a:fld id="{DE020207-599F-4CFD-A8D0-DD7AE6993AFB}" type="datetimeFigureOut">
               <a:rPr lang="en-US" smtClean="0"/>
+              <a:pPr/>
               <a:t>6/3/2014</a:t>
             </a:fld>
             <a:endParaRPr lang="en-US"/>
@@ -2255,6 +2274,7 @@
           <a:p>
             <a:fld id="{9E9599FE-B36F-4DE7-BBCF-F6576E645DDD}" type="slidenum">
               <a:rPr lang="en-US" smtClean="0"/>
+              <a:pPr/>
               <a:t>‹#›</a:t>
             </a:fld>
             <a:endParaRPr lang="en-US"/>
@@ -2461,6 +2481,7 @@
           <a:p>
             <a:fld id="{DE020207-599F-4CFD-A8D0-DD7AE6993AFB}" type="datetimeFigureOut">
               <a:rPr lang="en-US" smtClean="0"/>
+              <a:pPr/>
               <a:t>6/3/2014</a:t>
             </a:fld>
             <a:endParaRPr lang="en-US"/>
@@ -2503,6 +2524,7 @@
           <a:p>
             <a:fld id="{9E9599FE-B36F-4DE7-BBCF-F6576E645DDD}" type="slidenum">
               <a:rPr lang="en-US" smtClean="0"/>
+              <a:pPr/>
               <a:t>‹#›</a:t>
             </a:fld>
             <a:endParaRPr lang="en-US"/>
@@ -2678,6 +2700,7 @@
           <a:p>
             <a:fld id="{DE020207-599F-4CFD-A8D0-DD7AE6993AFB}" type="datetimeFigureOut">
               <a:rPr lang="en-US" smtClean="0"/>
+              <a:pPr/>
               <a:t>6/3/2014</a:t>
             </a:fld>
             <a:endParaRPr lang="en-US"/>
@@ -2756,6 +2779,7 @@
           <a:p>
             <a:fld id="{9E9599FE-B36F-4DE7-BBCF-F6576E645DDD}" type="slidenum">
               <a:rPr lang="en-US" smtClean="0"/>
+              <a:pPr/>
               <a:t>‹#›</a:t>
             </a:fld>
             <a:endParaRPr lang="en-US"/>
@@ -3121,7 +3145,7 @@
         </p:nvSpPr>
         <p:spPr>
           <a:xfrm>
-            <a:off x="1371600" y="3429000"/>
+            <a:off x="1371600" y="3276600"/>
             <a:ext cx="6400800" cy="2209800"/>
           </a:xfrm>
         </p:spPr>

--- a/BAZ Online Exam.pptx
+++ b/BAZ Online Exam.pptx
@@ -10,6 +10,13 @@
     <p:sldId id="259" r:id="rId4"/>
     <p:sldId id="260" r:id="rId5"/>
     <p:sldId id="261" r:id="rId6"/>
+    <p:sldId id="263" r:id="rId7"/>
+    <p:sldId id="264" r:id="rId8"/>
+    <p:sldId id="268" r:id="rId9"/>
+    <p:sldId id="269" r:id="rId10"/>
+    <p:sldId id="265" r:id="rId11"/>
+    <p:sldId id="266" r:id="rId12"/>
+    <p:sldId id="267" r:id="rId13"/>
   </p:sldIdLst>
   <p:sldSz cx="9144000" cy="6858000" type="screen4x3"/>
   <p:notesSz cx="6858000" cy="9144000"/>
@@ -293,7 +300,7 @@
             <a:fld id="{DE020207-599F-4CFD-A8D0-DD7AE6993AFB}" type="datetimeFigureOut">
               <a:rPr lang="en-US" smtClean="0"/>
               <a:pPr/>
-              <a:t>6/3/2014</a:t>
+              <a:t>6/4/2014</a:t>
             </a:fld>
             <a:endParaRPr lang="en-US"/>
           </a:p>
@@ -460,7 +467,7 @@
             <a:fld id="{DE020207-599F-4CFD-A8D0-DD7AE6993AFB}" type="datetimeFigureOut">
               <a:rPr lang="en-US" smtClean="0"/>
               <a:pPr/>
-              <a:t>6/3/2014</a:t>
+              <a:t>6/4/2014</a:t>
             </a:fld>
             <a:endParaRPr lang="en-US"/>
           </a:p>
@@ -637,7 +644,7 @@
             <a:fld id="{DE020207-599F-4CFD-A8D0-DD7AE6993AFB}" type="datetimeFigureOut">
               <a:rPr lang="en-US" smtClean="0"/>
               <a:pPr/>
-              <a:t>6/3/2014</a:t>
+              <a:t>6/4/2014</a:t>
             </a:fld>
             <a:endParaRPr lang="en-US"/>
           </a:p>
@@ -804,7 +811,7 @@
             <a:fld id="{DE020207-599F-4CFD-A8D0-DD7AE6993AFB}" type="datetimeFigureOut">
               <a:rPr lang="en-US" smtClean="0"/>
               <a:pPr/>
-              <a:t>6/3/2014</a:t>
+              <a:t>6/4/2014</a:t>
             </a:fld>
             <a:endParaRPr lang="en-US"/>
           </a:p>
@@ -1047,7 +1054,7 @@
             <a:fld id="{DE020207-599F-4CFD-A8D0-DD7AE6993AFB}" type="datetimeFigureOut">
               <a:rPr lang="en-US" smtClean="0"/>
               <a:pPr/>
-              <a:t>6/3/2014</a:t>
+              <a:t>6/4/2014</a:t>
             </a:fld>
             <a:endParaRPr lang="en-US"/>
           </a:p>
@@ -1332,7 +1339,7 @@
             <a:fld id="{DE020207-599F-4CFD-A8D0-DD7AE6993AFB}" type="datetimeFigureOut">
               <a:rPr lang="en-US" smtClean="0"/>
               <a:pPr/>
-              <a:t>6/3/2014</a:t>
+              <a:t>6/4/2014</a:t>
             </a:fld>
             <a:endParaRPr lang="en-US"/>
           </a:p>
@@ -1751,7 +1758,7 @@
             <a:fld id="{DE020207-599F-4CFD-A8D0-DD7AE6993AFB}" type="datetimeFigureOut">
               <a:rPr lang="en-US" smtClean="0"/>
               <a:pPr/>
-              <a:t>6/3/2014</a:t>
+              <a:t>6/4/2014</a:t>
             </a:fld>
             <a:endParaRPr lang="en-US"/>
           </a:p>
@@ -1866,7 +1873,7 @@
             <a:fld id="{DE020207-599F-4CFD-A8D0-DD7AE6993AFB}" type="datetimeFigureOut">
               <a:rPr lang="en-US" smtClean="0"/>
               <a:pPr/>
-              <a:t>6/3/2014</a:t>
+              <a:t>6/4/2014</a:t>
             </a:fld>
             <a:endParaRPr lang="en-US"/>
           </a:p>
@@ -1958,7 +1965,7 @@
             <a:fld id="{DE020207-599F-4CFD-A8D0-DD7AE6993AFB}" type="datetimeFigureOut">
               <a:rPr lang="en-US" smtClean="0"/>
               <a:pPr/>
-              <a:t>6/3/2014</a:t>
+              <a:t>6/4/2014</a:t>
             </a:fld>
             <a:endParaRPr lang="en-US"/>
           </a:p>
@@ -2232,7 +2239,7 @@
             <a:fld id="{DE020207-599F-4CFD-A8D0-DD7AE6993AFB}" type="datetimeFigureOut">
               <a:rPr lang="en-US" smtClean="0"/>
               <a:pPr/>
-              <a:t>6/3/2014</a:t>
+              <a:t>6/4/2014</a:t>
             </a:fld>
             <a:endParaRPr lang="en-US"/>
           </a:p>
@@ -2482,7 +2489,7 @@
             <a:fld id="{DE020207-599F-4CFD-A8D0-DD7AE6993AFB}" type="datetimeFigureOut">
               <a:rPr lang="en-US" smtClean="0"/>
               <a:pPr/>
-              <a:t>6/3/2014</a:t>
+              <a:t>6/4/2014</a:t>
             </a:fld>
             <a:endParaRPr lang="en-US"/>
           </a:p>
@@ -2701,7 +2708,7 @@
             <a:fld id="{DE020207-599F-4CFD-A8D0-DD7AE6993AFB}" type="datetimeFigureOut">
               <a:rPr lang="en-US" smtClean="0"/>
               <a:pPr/>
-              <a:t>6/3/2014</a:t>
+              <a:t>6/4/2014</a:t>
             </a:fld>
             <a:endParaRPr lang="en-US"/>
           </a:p>
@@ -3260,6 +3267,231 @@
 </p:sld>
 </file>
 
+<file path=ppt/slides/slide10.xml><?xml version="1.0" encoding="utf-8"?>
+<p:sld xmlns:a="http://schemas.openxmlformats.org/drawingml/2006/main" xmlns:r="http://schemas.openxmlformats.org/officeDocument/2006/relationships" xmlns:p="http://schemas.openxmlformats.org/presentationml/2006/main">
+  <p:cSld>
+    <p:bg>
+      <p:bgPr>
+        <a:solidFill>
+          <a:schemeClr val="accent1">
+            <a:alpha val="0"/>
+          </a:schemeClr>
+        </a:solidFill>
+        <a:effectLst/>
+      </p:bgPr>
+    </p:bg>
+    <p:spTree>
+      <p:nvGrpSpPr>
+        <p:cNvPr id="1" name=""/>
+        <p:cNvGrpSpPr/>
+        <p:nvPr/>
+      </p:nvGrpSpPr>
+      <p:grpSpPr>
+        <a:xfrm>
+          <a:off x="0" y="0"/>
+          <a:ext cx="0" cy="0"/>
+          <a:chOff x="0" y="0"/>
+          <a:chExt cx="0" cy="0"/>
+        </a:xfrm>
+      </p:grpSpPr>
+      <p:sp>
+        <p:nvSpPr>
+          <p:cNvPr id="12" name="TextBox 11"/>
+          <p:cNvSpPr txBox="1"/>
+          <p:nvPr/>
+        </p:nvSpPr>
+        <p:spPr>
+          <a:xfrm>
+            <a:off x="0" y="6488668"/>
+            <a:ext cx="2175532" cy="369332"/>
+          </a:xfrm>
+          <a:prstGeom prst="rect">
+            <a:avLst/>
+          </a:prstGeom>
+          <a:noFill/>
+        </p:spPr>
+        <p:txBody>
+          <a:bodyPr wrap="none" rtlCol="0">
+            <a:spAutoFit/>
+          </a:bodyPr>
+          <a:lstStyle/>
+          <a:p>
+            <a:r>
+              <a:rPr lang="en-US" dirty="0" smtClean="0"/>
+              <a:t>List Test Per Category</a:t>
+            </a:r>
+            <a:endParaRPr lang="en-US" dirty="0"/>
+          </a:p>
+        </p:txBody>
+      </p:sp>
+      <p:pic>
+        <p:nvPicPr>
+          <p:cNvPr id="3074" name="Picture 2"/>
+          <p:cNvPicPr>
+            <a:picLocks noChangeAspect="1" noChangeArrowheads="1"/>
+          </p:cNvPicPr>
+          <p:nvPr/>
+        </p:nvPicPr>
+        <p:blipFill>
+          <a:blip r:embed="rId2"/>
+          <a:srcRect/>
+          <a:stretch>
+            <a:fillRect/>
+          </a:stretch>
+        </p:blipFill>
+        <p:spPr bwMode="auto">
+          <a:xfrm>
+            <a:off x="0" y="0"/>
+            <a:ext cx="9091674" cy="6400800"/>
+          </a:xfrm>
+          <a:prstGeom prst="rect">
+            <a:avLst/>
+          </a:prstGeom>
+          <a:noFill/>
+          <a:ln w="9525">
+            <a:noFill/>
+            <a:miter lim="800000"/>
+            <a:headEnd/>
+            <a:tailEnd/>
+          </a:ln>
+          <a:effectLst/>
+        </p:spPr>
+      </p:pic>
+    </p:spTree>
+  </p:cSld>
+  <p:clrMapOvr>
+    <a:masterClrMapping/>
+  </p:clrMapOvr>
+</p:sld>
+</file>
+
+<file path=ppt/slides/slide11.xml><?xml version="1.0" encoding="utf-8"?>
+<p:sld xmlns:a="http://schemas.openxmlformats.org/drawingml/2006/main" xmlns:r="http://schemas.openxmlformats.org/officeDocument/2006/relationships" xmlns:p="http://schemas.openxmlformats.org/presentationml/2006/main">
+  <p:cSld>
+    <p:bg>
+      <p:bgPr>
+        <a:blipFill dpi="0" rotWithShape="1">
+          <a:blip r:embed="rId2">
+            <a:lum/>
+          </a:blip>
+          <a:srcRect/>
+          <a:stretch>
+            <a:fillRect/>
+          </a:stretch>
+        </a:blipFill>
+        <a:effectLst/>
+      </p:bgPr>
+    </p:bg>
+    <p:spTree>
+      <p:nvGrpSpPr>
+        <p:cNvPr id="1" name=""/>
+        <p:cNvGrpSpPr/>
+        <p:nvPr/>
+      </p:nvGrpSpPr>
+      <p:grpSpPr>
+        <a:xfrm>
+          <a:off x="0" y="0"/>
+          <a:ext cx="0" cy="0"/>
+          <a:chOff x="0" y="0"/>
+          <a:chExt cx="0" cy="0"/>
+        </a:xfrm>
+      </p:grpSpPr>
+      <p:sp>
+        <p:nvSpPr>
+          <p:cNvPr id="4" name="Title 3"/>
+          <p:cNvSpPr>
+            <a:spLocks noGrp="1"/>
+          </p:cNvSpPr>
+          <p:nvPr>
+            <p:ph type="title"/>
+          </p:nvPr>
+        </p:nvSpPr>
+        <p:spPr>
+          <a:xfrm>
+            <a:off x="609600" y="2667000"/>
+            <a:ext cx="8229600" cy="1143000"/>
+          </a:xfrm>
+        </p:spPr>
+        <p:txBody>
+          <a:bodyPr/>
+          <a:lstStyle/>
+          <a:p>
+            <a:r>
+              <a:rPr lang="en-US" dirty="0" smtClean="0"/>
+              <a:t>Demo</a:t>
+            </a:r>
+            <a:endParaRPr lang="en-US" dirty="0"/>
+          </a:p>
+        </p:txBody>
+      </p:sp>
+    </p:spTree>
+  </p:cSld>
+  <p:clrMapOvr>
+    <a:masterClrMapping/>
+  </p:clrMapOvr>
+</p:sld>
+</file>
+
+<file path=ppt/slides/slide12.xml><?xml version="1.0" encoding="utf-8"?>
+<p:sld xmlns:a="http://schemas.openxmlformats.org/drawingml/2006/main" xmlns:r="http://schemas.openxmlformats.org/officeDocument/2006/relationships" xmlns:p="http://schemas.openxmlformats.org/presentationml/2006/main">
+  <p:cSld>
+    <p:spTree>
+      <p:nvGrpSpPr>
+        <p:cNvPr id="1" name=""/>
+        <p:cNvGrpSpPr/>
+        <p:nvPr/>
+      </p:nvGrpSpPr>
+      <p:grpSpPr>
+        <a:xfrm>
+          <a:off x="0" y="0"/>
+          <a:ext cx="0" cy="0"/>
+          <a:chOff x="0" y="0"/>
+          <a:chExt cx="0" cy="0"/>
+        </a:xfrm>
+      </p:grpSpPr>
+      <p:sp>
+        <p:nvSpPr>
+          <p:cNvPr id="2" name="Title 1"/>
+          <p:cNvSpPr>
+            <a:spLocks noGrp="1"/>
+          </p:cNvSpPr>
+          <p:nvPr>
+            <p:ph type="title"/>
+          </p:nvPr>
+        </p:nvSpPr>
+        <p:spPr>
+          <a:xfrm>
+            <a:off x="457200" y="2895600"/>
+            <a:ext cx="8229600" cy="1143000"/>
+          </a:xfrm>
+        </p:spPr>
+        <p:txBody>
+          <a:bodyPr/>
+          <a:lstStyle/>
+          <a:p>
+            <a:r>
+              <a:rPr lang="en-US" dirty="0" smtClean="0"/>
+              <a:t>Thank You</a:t>
+            </a:r>
+            <a:endParaRPr lang="en-US" dirty="0"/>
+          </a:p>
+        </p:txBody>
+      </p:sp>
+    </p:spTree>
+  </p:cSld>
+  <p:clrMapOvr>
+    <a:masterClrMapping/>
+  </p:clrMapOvr>
+  <p:timing>
+    <p:tnLst>
+      <p:par>
+        <p:cTn id="1" dur="indefinite" restart="never" nodeType="tmRoot"/>
+      </p:par>
+    </p:tnLst>
+  </p:timing>
+</p:sld>
+</file>
+
 <file path=ppt/slides/slide2.xml><?xml version="1.0" encoding="utf-8"?>
 <p:sld xmlns:a="http://schemas.openxmlformats.org/drawingml/2006/main" xmlns:r="http://schemas.openxmlformats.org/officeDocument/2006/relationships" xmlns:p="http://schemas.openxmlformats.org/presentationml/2006/main">
   <p:cSld>
@@ -3899,6 +4131,481 @@
           </a:p>
         </p:txBody>
       </p:sp>
+    </p:spTree>
+  </p:cSld>
+  <p:clrMapOvr>
+    <a:masterClrMapping/>
+  </p:clrMapOvr>
+</p:sld>
+</file>
+
+<file path=ppt/slides/slide6.xml><?xml version="1.0" encoding="utf-8"?>
+<p:sld xmlns:a="http://schemas.openxmlformats.org/drawingml/2006/main" xmlns:r="http://schemas.openxmlformats.org/officeDocument/2006/relationships" xmlns:p="http://schemas.openxmlformats.org/presentationml/2006/main">
+  <p:cSld>
+    <p:bg>
+      <p:bgPr>
+        <a:solidFill>
+          <a:schemeClr val="accent1">
+            <a:alpha val="0"/>
+          </a:schemeClr>
+        </a:solidFill>
+        <a:effectLst/>
+      </p:bgPr>
+    </p:bg>
+    <p:spTree>
+      <p:nvGrpSpPr>
+        <p:cNvPr id="1" name=""/>
+        <p:cNvGrpSpPr/>
+        <p:nvPr/>
+      </p:nvGrpSpPr>
+      <p:grpSpPr>
+        <a:xfrm>
+          <a:off x="0" y="0"/>
+          <a:ext cx="0" cy="0"/>
+          <a:chOff x="0" y="0"/>
+          <a:chExt cx="0" cy="0"/>
+        </a:xfrm>
+      </p:grpSpPr>
+      <p:pic>
+        <p:nvPicPr>
+          <p:cNvPr id="1026" name="Picture 2"/>
+          <p:cNvPicPr>
+            <a:picLocks noChangeAspect="1" noChangeArrowheads="1"/>
+          </p:cNvPicPr>
+          <p:nvPr/>
+        </p:nvPicPr>
+        <p:blipFill>
+          <a:blip r:embed="rId2"/>
+          <a:srcRect/>
+          <a:stretch>
+            <a:fillRect/>
+          </a:stretch>
+        </p:blipFill>
+        <p:spPr bwMode="auto">
+          <a:xfrm>
+            <a:off x="0" y="0"/>
+            <a:ext cx="7227440" cy="4953000"/>
+          </a:xfrm>
+          <a:prstGeom prst="rect">
+            <a:avLst/>
+          </a:prstGeom>
+          <a:noFill/>
+          <a:ln w="9525">
+            <a:noFill/>
+            <a:miter lim="800000"/>
+            <a:headEnd/>
+            <a:tailEnd/>
+          </a:ln>
+          <a:effectLst/>
+        </p:spPr>
+      </p:pic>
+      <p:sp>
+        <p:nvSpPr>
+          <p:cNvPr id="7" name="TextBox 6"/>
+          <p:cNvSpPr txBox="1"/>
+          <p:nvPr/>
+        </p:nvSpPr>
+        <p:spPr>
+          <a:xfrm>
+            <a:off x="228600" y="4876800"/>
+            <a:ext cx="750526" cy="369332"/>
+          </a:xfrm>
+          <a:prstGeom prst="rect">
+            <a:avLst/>
+          </a:prstGeom>
+          <a:noFill/>
+        </p:spPr>
+        <p:txBody>
+          <a:bodyPr wrap="none" rtlCol="0">
+            <a:spAutoFit/>
+          </a:bodyPr>
+          <a:lstStyle/>
+          <a:p>
+            <a:r>
+              <a:rPr lang="en-US" dirty="0" smtClean="0"/>
+              <a:t>Home</a:t>
+            </a:r>
+            <a:endParaRPr lang="en-US" dirty="0"/>
+          </a:p>
+        </p:txBody>
+      </p:sp>
+      <p:pic>
+        <p:nvPicPr>
+          <p:cNvPr id="1027" name="Picture 3"/>
+          <p:cNvPicPr>
+            <a:picLocks noChangeAspect="1" noChangeArrowheads="1"/>
+          </p:cNvPicPr>
+          <p:nvPr/>
+        </p:nvPicPr>
+        <p:blipFill>
+          <a:blip r:embed="rId3"/>
+          <a:srcRect t="22355"/>
+          <a:stretch>
+            <a:fillRect/>
+          </a:stretch>
+        </p:blipFill>
+        <p:spPr bwMode="auto">
+          <a:xfrm>
+            <a:off x="3248025" y="5005387"/>
+            <a:ext cx="5895975" cy="1852613"/>
+          </a:xfrm>
+          <a:prstGeom prst="rect">
+            <a:avLst/>
+          </a:prstGeom>
+          <a:noFill/>
+          <a:ln w="9525">
+            <a:noFill/>
+            <a:miter lim="800000"/>
+            <a:headEnd/>
+            <a:tailEnd/>
+          </a:ln>
+          <a:effectLst/>
+        </p:spPr>
+      </p:pic>
+      <p:sp>
+        <p:nvSpPr>
+          <p:cNvPr id="9" name="TextBox 8"/>
+          <p:cNvSpPr txBox="1"/>
+          <p:nvPr/>
+        </p:nvSpPr>
+        <p:spPr>
+          <a:xfrm>
+            <a:off x="1676400" y="6488668"/>
+            <a:ext cx="1828800" cy="369332"/>
+          </a:xfrm>
+          <a:prstGeom prst="rect">
+            <a:avLst/>
+          </a:prstGeom>
+          <a:noFill/>
+        </p:spPr>
+        <p:txBody>
+          <a:bodyPr wrap="square" rtlCol="0">
+            <a:spAutoFit/>
+          </a:bodyPr>
+          <a:lstStyle/>
+          <a:p>
+            <a:r>
+              <a:rPr lang="en-US" dirty="0" smtClean="0"/>
+              <a:t>Login modal</a:t>
+            </a:r>
+            <a:endParaRPr lang="en-US" dirty="0"/>
+          </a:p>
+        </p:txBody>
+      </p:sp>
+    </p:spTree>
+  </p:cSld>
+  <p:clrMapOvr>
+    <a:masterClrMapping/>
+  </p:clrMapOvr>
+</p:sld>
+</file>
+
+<file path=ppt/slides/slide7.xml><?xml version="1.0" encoding="utf-8"?>
+<p:sld xmlns:a="http://schemas.openxmlformats.org/drawingml/2006/main" xmlns:r="http://schemas.openxmlformats.org/officeDocument/2006/relationships" xmlns:p="http://schemas.openxmlformats.org/presentationml/2006/main">
+  <p:cSld>
+    <p:bg>
+      <p:bgPr>
+        <a:solidFill>
+          <a:schemeClr val="accent1">
+            <a:alpha val="0"/>
+          </a:schemeClr>
+        </a:solidFill>
+        <a:effectLst/>
+      </p:bgPr>
+    </p:bg>
+    <p:spTree>
+      <p:nvGrpSpPr>
+        <p:cNvPr id="1" name=""/>
+        <p:cNvGrpSpPr/>
+        <p:nvPr/>
+      </p:nvGrpSpPr>
+      <p:grpSpPr>
+        <a:xfrm>
+          <a:off x="0" y="0"/>
+          <a:ext cx="0" cy="0"/>
+          <a:chOff x="0" y="0"/>
+          <a:chExt cx="0" cy="0"/>
+        </a:xfrm>
+      </p:grpSpPr>
+      <p:pic>
+        <p:nvPicPr>
+          <p:cNvPr id="2053" name="Picture 5"/>
+          <p:cNvPicPr>
+            <a:picLocks noChangeAspect="1" noChangeArrowheads="1"/>
+          </p:cNvPicPr>
+          <p:nvPr/>
+        </p:nvPicPr>
+        <p:blipFill>
+          <a:blip r:embed="rId2"/>
+          <a:srcRect/>
+          <a:stretch>
+            <a:fillRect/>
+          </a:stretch>
+        </p:blipFill>
+        <p:spPr bwMode="auto">
+          <a:xfrm>
+            <a:off x="0" y="0"/>
+            <a:ext cx="9144000" cy="6324600"/>
+          </a:xfrm>
+          <a:prstGeom prst="rect">
+            <a:avLst/>
+          </a:prstGeom>
+          <a:noFill/>
+          <a:ln w="9525">
+            <a:noFill/>
+            <a:miter lim="800000"/>
+            <a:headEnd/>
+            <a:tailEnd/>
+          </a:ln>
+          <a:effectLst/>
+        </p:spPr>
+      </p:pic>
+      <p:sp>
+        <p:nvSpPr>
+          <p:cNvPr id="12" name="TextBox 11"/>
+          <p:cNvSpPr txBox="1"/>
+          <p:nvPr/>
+        </p:nvSpPr>
+        <p:spPr>
+          <a:xfrm>
+            <a:off x="0" y="6488668"/>
+            <a:ext cx="2215735" cy="369332"/>
+          </a:xfrm>
+          <a:prstGeom prst="rect">
+            <a:avLst/>
+          </a:prstGeom>
+          <a:noFill/>
+        </p:spPr>
+        <p:txBody>
+          <a:bodyPr wrap="none" rtlCol="0">
+            <a:spAutoFit/>
+          </a:bodyPr>
+          <a:lstStyle/>
+          <a:p>
+            <a:r>
+              <a:rPr lang="en-US" dirty="0" smtClean="0"/>
+              <a:t>Backend </a:t>
+            </a:r>
+            <a:r>
+              <a:rPr lang="en-US" dirty="0" err="1" smtClean="0"/>
+              <a:t>untuk</a:t>
+            </a:r>
+            <a:r>
+              <a:rPr lang="en-US" dirty="0" smtClean="0"/>
+              <a:t> admin</a:t>
+            </a:r>
+            <a:endParaRPr lang="en-US" dirty="0"/>
+          </a:p>
+        </p:txBody>
+      </p:sp>
+    </p:spTree>
+  </p:cSld>
+  <p:clrMapOvr>
+    <a:masterClrMapping/>
+  </p:clrMapOvr>
+</p:sld>
+</file>
+
+<file path=ppt/slides/slide8.xml><?xml version="1.0" encoding="utf-8"?>
+<p:sld xmlns:a="http://schemas.openxmlformats.org/drawingml/2006/main" xmlns:r="http://schemas.openxmlformats.org/officeDocument/2006/relationships" xmlns:p="http://schemas.openxmlformats.org/presentationml/2006/main">
+  <p:cSld>
+    <p:bg>
+      <p:bgPr>
+        <a:solidFill>
+          <a:schemeClr val="accent1">
+            <a:alpha val="0"/>
+          </a:schemeClr>
+        </a:solidFill>
+        <a:effectLst/>
+      </p:bgPr>
+    </p:bg>
+    <p:spTree>
+      <p:nvGrpSpPr>
+        <p:cNvPr id="1" name=""/>
+        <p:cNvGrpSpPr/>
+        <p:nvPr/>
+      </p:nvGrpSpPr>
+      <p:grpSpPr>
+        <a:xfrm>
+          <a:off x="0" y="0"/>
+          <a:ext cx="0" cy="0"/>
+          <a:chOff x="0" y="0"/>
+          <a:chExt cx="0" cy="0"/>
+        </a:xfrm>
+      </p:grpSpPr>
+      <p:sp>
+        <p:nvSpPr>
+          <p:cNvPr id="12" name="TextBox 11"/>
+          <p:cNvSpPr txBox="1"/>
+          <p:nvPr/>
+        </p:nvSpPr>
+        <p:spPr>
+          <a:xfrm>
+            <a:off x="228600" y="6488668"/>
+            <a:ext cx="2275431" cy="369332"/>
+          </a:xfrm>
+          <a:prstGeom prst="rect">
+            <a:avLst/>
+          </a:prstGeom>
+          <a:noFill/>
+        </p:spPr>
+        <p:txBody>
+          <a:bodyPr wrap="none" rtlCol="0">
+            <a:spAutoFit/>
+          </a:bodyPr>
+          <a:lstStyle/>
+          <a:p>
+            <a:r>
+              <a:rPr lang="en-US" dirty="0" err="1" smtClean="0"/>
+              <a:t>Membuat</a:t>
+            </a:r>
+            <a:r>
+              <a:rPr lang="en-US" dirty="0" smtClean="0"/>
+              <a:t> Test Header</a:t>
+            </a:r>
+            <a:endParaRPr lang="en-US" dirty="0"/>
+          </a:p>
+        </p:txBody>
+      </p:sp>
+      <p:pic>
+        <p:nvPicPr>
+          <p:cNvPr id="4098" name="Picture 2"/>
+          <p:cNvPicPr>
+            <a:picLocks noChangeAspect="1" noChangeArrowheads="1"/>
+          </p:cNvPicPr>
+          <p:nvPr/>
+        </p:nvPicPr>
+        <p:blipFill>
+          <a:blip r:embed="rId2"/>
+          <a:srcRect/>
+          <a:stretch>
+            <a:fillRect/>
+          </a:stretch>
+        </p:blipFill>
+        <p:spPr bwMode="auto">
+          <a:xfrm>
+            <a:off x="0" y="0"/>
+            <a:ext cx="9144000" cy="6400800"/>
+          </a:xfrm>
+          <a:prstGeom prst="rect">
+            <a:avLst/>
+          </a:prstGeom>
+          <a:noFill/>
+          <a:ln w="9525">
+            <a:noFill/>
+            <a:miter lim="800000"/>
+            <a:headEnd/>
+            <a:tailEnd/>
+          </a:ln>
+          <a:effectLst/>
+        </p:spPr>
+      </p:pic>
+    </p:spTree>
+  </p:cSld>
+  <p:clrMapOvr>
+    <a:masterClrMapping/>
+  </p:clrMapOvr>
+</p:sld>
+</file>
+
+<file path=ppt/slides/slide9.xml><?xml version="1.0" encoding="utf-8"?>
+<p:sld xmlns:a="http://schemas.openxmlformats.org/drawingml/2006/main" xmlns:r="http://schemas.openxmlformats.org/officeDocument/2006/relationships" xmlns:p="http://schemas.openxmlformats.org/presentationml/2006/main">
+  <p:cSld>
+    <p:bg>
+      <p:bgPr>
+        <a:solidFill>
+          <a:schemeClr val="accent1">
+            <a:alpha val="0"/>
+          </a:schemeClr>
+        </a:solidFill>
+        <a:effectLst/>
+      </p:bgPr>
+    </p:bg>
+    <p:spTree>
+      <p:nvGrpSpPr>
+        <p:cNvPr id="1" name=""/>
+        <p:cNvGrpSpPr/>
+        <p:nvPr/>
+      </p:nvGrpSpPr>
+      <p:grpSpPr>
+        <a:xfrm>
+          <a:off x="0" y="0"/>
+          <a:ext cx="0" cy="0"/>
+          <a:chOff x="0" y="0"/>
+          <a:chExt cx="0" cy="0"/>
+        </a:xfrm>
+      </p:grpSpPr>
+      <p:sp>
+        <p:nvSpPr>
+          <p:cNvPr id="12" name="TextBox 11"/>
+          <p:cNvSpPr txBox="1"/>
+          <p:nvPr/>
+        </p:nvSpPr>
+        <p:spPr>
+          <a:xfrm>
+            <a:off x="228600" y="6488668"/>
+            <a:ext cx="1807867" cy="369332"/>
+          </a:xfrm>
+          <a:prstGeom prst="rect">
+            <a:avLst/>
+          </a:prstGeom>
+          <a:noFill/>
+        </p:spPr>
+        <p:txBody>
+          <a:bodyPr wrap="none" rtlCol="0">
+            <a:spAutoFit/>
+          </a:bodyPr>
+          <a:lstStyle/>
+          <a:p>
+            <a:r>
+              <a:rPr lang="en-US" dirty="0" smtClean="0"/>
+              <a:t>Customize </a:t>
+            </a:r>
+            <a:r>
+              <a:rPr lang="en-US" dirty="0" err="1" smtClean="0"/>
+              <a:t>isi</a:t>
+            </a:r>
+            <a:r>
+              <a:rPr lang="en-US" dirty="0" smtClean="0"/>
+              <a:t> test</a:t>
+            </a:r>
+            <a:endParaRPr lang="en-US" dirty="0"/>
+          </a:p>
+        </p:txBody>
+      </p:sp>
+      <p:pic>
+        <p:nvPicPr>
+          <p:cNvPr id="5122" name="Picture 2"/>
+          <p:cNvPicPr>
+            <a:picLocks noChangeAspect="1" noChangeArrowheads="1"/>
+          </p:cNvPicPr>
+          <p:nvPr/>
+        </p:nvPicPr>
+        <p:blipFill>
+          <a:blip r:embed="rId2"/>
+          <a:srcRect/>
+          <a:stretch>
+            <a:fillRect/>
+          </a:stretch>
+        </p:blipFill>
+        <p:spPr bwMode="auto">
+          <a:xfrm>
+            <a:off x="0" y="0"/>
+            <a:ext cx="8925049" cy="6324600"/>
+          </a:xfrm>
+          <a:prstGeom prst="rect">
+            <a:avLst/>
+          </a:prstGeom>
+          <a:noFill/>
+          <a:ln w="9525">
+            <a:noFill/>
+            <a:miter lim="800000"/>
+            <a:headEnd/>
+            <a:tailEnd/>
+          </a:ln>
+          <a:effectLst/>
+        </p:spPr>
+      </p:pic>
     </p:spTree>
   </p:cSld>
   <p:clrMapOvr>
